--- a/presentacion/Netflix.pptx
+++ b/presentacion/Netflix.pptx
@@ -12,6 +12,7 @@
     <p:sldId id="260" r:id="rId6"/>
     <p:sldId id="261" r:id="rId7"/>
     <p:sldId id="262" r:id="rId8"/>
+    <p:sldId id="263" r:id="rId9"/>
   </p:sldIdLst>
   <p:sldSz cx="12192000" cy="6858000"/>
   <p:notesSz cx="6858000" cy="9144000"/>
@@ -121,6 +122,8 @@
 <file path=ppt/revisionInfo.xml><?xml version="1.0" encoding="utf-8"?>
 <p1510:revInfo xmlns:a="http://schemas.openxmlformats.org/drawingml/2006/main" xmlns:r="http://schemas.openxmlformats.org/officeDocument/2006/relationships" xmlns:p1510="http://schemas.microsoft.com/office/powerpoint/2015/10/main">
   <p1510:revLst>
+    <p1510:client id="{1CCD9516-1DAC-407E-97A2-8E2E608B8D68}" v="21" dt="2022-06-03T07:54:18.200"/>
+    <p1510:client id="{998CD3E4-8D15-4CB3-8639-227366FD1DD9}" v="193" dt="2022-06-03T07:51:53.293"/>
     <p1510:client id="{F18D7D1A-E1BC-43D5-A556-DCB57CAD1591}" v="1204" dt="2022-06-02T22:30:40.053"/>
   </p1510:revLst>
 </p1510:revInfo>
@@ -255,7 +258,7 @@
           <a:p>
             <a:fld id="{40771E8B-6CA5-40B2-8038-0E112F3DAC1C}" type="datetimeFigureOut">
               <a:rPr lang="es-ES" smtClean="0"/>
-              <a:t>02/06/2022</a:t>
+              <a:t>03/06/2022</a:t>
             </a:fld>
             <a:endParaRPr lang="es-ES"/>
           </a:p>
@@ -297,7 +300,7 @@
           <a:p>
             <a:fld id="{0F1556C4-DFC3-4611-A7CC-780699185E26}" type="slidenum">
               <a:rPr lang="es-ES" smtClean="0"/>
-              <a:t>‹#›</a:t>
+              <a:t>‹Nº›</a:t>
             </a:fld>
             <a:endParaRPr lang="es-ES"/>
           </a:p>
@@ -423,7 +426,7 @@
           <a:p>
             <a:fld id="{40771E8B-6CA5-40B2-8038-0E112F3DAC1C}" type="datetimeFigureOut">
               <a:rPr lang="es-ES" smtClean="0"/>
-              <a:t>02/06/2022</a:t>
+              <a:t>03/06/2022</a:t>
             </a:fld>
             <a:endParaRPr lang="es-ES"/>
           </a:p>
@@ -465,7 +468,7 @@
           <a:p>
             <a:fld id="{0F1556C4-DFC3-4611-A7CC-780699185E26}" type="slidenum">
               <a:rPr lang="es-ES" smtClean="0"/>
-              <a:t>‹#›</a:t>
+              <a:t>‹Nº›</a:t>
             </a:fld>
             <a:endParaRPr lang="es-ES"/>
           </a:p>
@@ -601,7 +604,7 @@
           <a:p>
             <a:fld id="{40771E8B-6CA5-40B2-8038-0E112F3DAC1C}" type="datetimeFigureOut">
               <a:rPr lang="es-ES" smtClean="0"/>
-              <a:t>02/06/2022</a:t>
+              <a:t>03/06/2022</a:t>
             </a:fld>
             <a:endParaRPr lang="es-ES"/>
           </a:p>
@@ -643,7 +646,7 @@
           <a:p>
             <a:fld id="{0F1556C4-DFC3-4611-A7CC-780699185E26}" type="slidenum">
               <a:rPr lang="es-ES" smtClean="0"/>
-              <a:t>‹#›</a:t>
+              <a:t>‹Nº›</a:t>
             </a:fld>
             <a:endParaRPr lang="es-ES"/>
           </a:p>
@@ -769,7 +772,7 @@
           <a:p>
             <a:fld id="{40771E8B-6CA5-40B2-8038-0E112F3DAC1C}" type="datetimeFigureOut">
               <a:rPr lang="es-ES" smtClean="0"/>
-              <a:t>02/06/2022</a:t>
+              <a:t>03/06/2022</a:t>
             </a:fld>
             <a:endParaRPr lang="es-ES"/>
           </a:p>
@@ -811,7 +814,7 @@
           <a:p>
             <a:fld id="{0F1556C4-DFC3-4611-A7CC-780699185E26}" type="slidenum">
               <a:rPr lang="es-ES" smtClean="0"/>
-              <a:t>‹#›</a:t>
+              <a:t>‹Nº›</a:t>
             </a:fld>
             <a:endParaRPr lang="es-ES"/>
           </a:p>
@@ -1014,7 +1017,7 @@
           <a:p>
             <a:fld id="{40771E8B-6CA5-40B2-8038-0E112F3DAC1C}" type="datetimeFigureOut">
               <a:rPr lang="es-ES" smtClean="0"/>
-              <a:t>02/06/2022</a:t>
+              <a:t>03/06/2022</a:t>
             </a:fld>
             <a:endParaRPr lang="es-ES"/>
           </a:p>
@@ -1056,7 +1059,7 @@
           <a:p>
             <a:fld id="{0F1556C4-DFC3-4611-A7CC-780699185E26}" type="slidenum">
               <a:rPr lang="es-ES" smtClean="0"/>
-              <a:t>‹#›</a:t>
+              <a:t>‹Nº›</a:t>
             </a:fld>
             <a:endParaRPr lang="es-ES"/>
           </a:p>
@@ -1243,7 +1246,7 @@
           <a:p>
             <a:fld id="{40771E8B-6CA5-40B2-8038-0E112F3DAC1C}" type="datetimeFigureOut">
               <a:rPr lang="es-ES" smtClean="0"/>
-              <a:t>02/06/2022</a:t>
+              <a:t>03/06/2022</a:t>
             </a:fld>
             <a:endParaRPr lang="es-ES"/>
           </a:p>
@@ -1285,7 +1288,7 @@
           <a:p>
             <a:fld id="{0F1556C4-DFC3-4611-A7CC-780699185E26}" type="slidenum">
               <a:rPr lang="es-ES" smtClean="0"/>
-              <a:t>‹#›</a:t>
+              <a:t>‹Nº›</a:t>
             </a:fld>
             <a:endParaRPr lang="es-ES"/>
           </a:p>
@@ -1607,7 +1610,7 @@
           <a:p>
             <a:fld id="{40771E8B-6CA5-40B2-8038-0E112F3DAC1C}" type="datetimeFigureOut">
               <a:rPr lang="es-ES" smtClean="0"/>
-              <a:t>02/06/2022</a:t>
+              <a:t>03/06/2022</a:t>
             </a:fld>
             <a:endParaRPr lang="es-ES"/>
           </a:p>
@@ -1649,7 +1652,7 @@
           <a:p>
             <a:fld id="{0F1556C4-DFC3-4611-A7CC-780699185E26}" type="slidenum">
               <a:rPr lang="es-ES" smtClean="0"/>
-              <a:t>‹#›</a:t>
+              <a:t>‹Nº›</a:t>
             </a:fld>
             <a:endParaRPr lang="es-ES"/>
           </a:p>
@@ -1724,7 +1727,7 @@
           <a:p>
             <a:fld id="{40771E8B-6CA5-40B2-8038-0E112F3DAC1C}" type="datetimeFigureOut">
               <a:rPr lang="es-ES" smtClean="0"/>
-              <a:t>02/06/2022</a:t>
+              <a:t>03/06/2022</a:t>
             </a:fld>
             <a:endParaRPr lang="es-ES"/>
           </a:p>
@@ -1766,7 +1769,7 @@
           <a:p>
             <a:fld id="{0F1556C4-DFC3-4611-A7CC-780699185E26}" type="slidenum">
               <a:rPr lang="es-ES" smtClean="0"/>
-              <a:t>‹#›</a:t>
+              <a:t>‹Nº›</a:t>
             </a:fld>
             <a:endParaRPr lang="es-ES"/>
           </a:p>
@@ -1819,7 +1822,7 @@
           <a:p>
             <a:fld id="{40771E8B-6CA5-40B2-8038-0E112F3DAC1C}" type="datetimeFigureOut">
               <a:rPr lang="es-ES" smtClean="0"/>
-              <a:t>02/06/2022</a:t>
+              <a:t>03/06/2022</a:t>
             </a:fld>
             <a:endParaRPr lang="es-ES"/>
           </a:p>
@@ -1861,7 +1864,7 @@
           <a:p>
             <a:fld id="{0F1556C4-DFC3-4611-A7CC-780699185E26}" type="slidenum">
               <a:rPr lang="es-ES" smtClean="0"/>
-              <a:t>‹#›</a:t>
+              <a:t>‹Nº›</a:t>
             </a:fld>
             <a:endParaRPr lang="es-ES"/>
           </a:p>
@@ -2094,7 +2097,7 @@
           <a:p>
             <a:fld id="{40771E8B-6CA5-40B2-8038-0E112F3DAC1C}" type="datetimeFigureOut">
               <a:rPr lang="es-ES" smtClean="0"/>
-              <a:t>02/06/2022</a:t>
+              <a:t>03/06/2022</a:t>
             </a:fld>
             <a:endParaRPr lang="es-ES"/>
           </a:p>
@@ -2136,7 +2139,7 @@
           <a:p>
             <a:fld id="{0F1556C4-DFC3-4611-A7CC-780699185E26}" type="slidenum">
               <a:rPr lang="es-ES" smtClean="0"/>
-              <a:t>‹#›</a:t>
+              <a:t>‹Nº›</a:t>
             </a:fld>
             <a:endParaRPr lang="es-ES"/>
           </a:p>
@@ -2346,7 +2349,7 @@
           <a:p>
             <a:fld id="{40771E8B-6CA5-40B2-8038-0E112F3DAC1C}" type="datetimeFigureOut">
               <a:rPr lang="es-ES" smtClean="0"/>
-              <a:t>02/06/2022</a:t>
+              <a:t>03/06/2022</a:t>
             </a:fld>
             <a:endParaRPr lang="es-ES"/>
           </a:p>
@@ -2388,7 +2391,7 @@
           <a:p>
             <a:fld id="{0F1556C4-DFC3-4611-A7CC-780699185E26}" type="slidenum">
               <a:rPr lang="es-ES" smtClean="0"/>
-              <a:t>‹#›</a:t>
+              <a:t>‹Nº›</a:t>
             </a:fld>
             <a:endParaRPr lang="es-ES"/>
           </a:p>
@@ -2557,7 +2560,7 @@
           <a:p>
             <a:fld id="{40771E8B-6CA5-40B2-8038-0E112F3DAC1C}" type="datetimeFigureOut">
               <a:rPr lang="es-ES" smtClean="0"/>
-              <a:t>02/06/2022</a:t>
+              <a:t>03/06/2022</a:t>
             </a:fld>
             <a:endParaRPr lang="es-ES"/>
           </a:p>
@@ -2635,7 +2638,7 @@
           <a:p>
             <a:fld id="{0F1556C4-DFC3-4611-A7CC-780699185E26}" type="slidenum">
               <a:rPr lang="es-ES" smtClean="0"/>
-              <a:t>‹#›</a:t>
+              <a:t>‹Nº›</a:t>
             </a:fld>
             <a:endParaRPr lang="es-ES"/>
           </a:p>
@@ -2998,13 +3001,7 @@
               <a:rPr lang="es-ES" dirty="0">
                 <a:cs typeface="Calibri Light"/>
               </a:rPr>
-              <a:t> Pinilla </a:t>
-            </a:r>
-            <a:r>
-              <a:rPr lang="es-ES" dirty="0" err="1">
-                <a:cs typeface="Calibri Light"/>
-              </a:rPr>
-              <a:t>Valbuen</a:t>
+              <a:t> Pinilla Valbuena</a:t>
             </a:r>
             <a:endParaRPr lang="es-ES" dirty="0" err="1"/>
           </a:p>
@@ -4430,7 +4427,7 @@
               <a:t>, a </a:t>
             </a:r>
             <a:r>
-              <a:rPr lang="en-US" dirty="0" err="1">
+              <a:rPr lang="es-ES_tradnl" dirty="0">
                 <a:cs typeface="Calibri"/>
               </a:rPr>
               <a:t>parte</a:t>
@@ -4445,7 +4442,7 @@
               <a:rPr lang="en-US" dirty="0" err="1">
                 <a:cs typeface="Calibri"/>
               </a:rPr>
-              <a:t>categorias</a:t>
+              <a:t>categorías</a:t>
             </a:r>
             <a:r>
               <a:rPr lang="en-US" dirty="0">
@@ -4505,7 +4502,7 @@
               <a:rPr lang="en-US" dirty="0" err="1">
                 <a:cs typeface="Calibri"/>
               </a:rPr>
-              <a:t>consiguio</a:t>
+              <a:t>consiguió</a:t>
             </a:r>
             <a:r>
               <a:rPr lang="en-US" dirty="0">
@@ -4703,7 +4700,7 @@
               <a:rPr lang="en-US" dirty="0">
                 <a:cs typeface="Calibri Light"/>
               </a:rPr>
-              <a:t> AV</a:t>
+              <a:t> Audiovisual</a:t>
             </a:r>
             <a:endParaRPr lang="en-US" dirty="0"/>
           </a:p>
@@ -5518,6 +5515,259 @@
     <p:extLst>
       <p:ext uri="{BB962C8B-B14F-4D97-AF65-F5344CB8AC3E}">
         <p14:creationId xmlns:p14="http://schemas.microsoft.com/office/powerpoint/2010/main" val="4148712432"/>
+      </p:ext>
+    </p:extLst>
+  </p:cSld>
+  <p:clrMapOvr>
+    <a:masterClrMapping/>
+  </p:clrMapOvr>
+</p:sld>
+</file>
+
+<file path=ppt/slides/slide8.xml><?xml version="1.0" encoding="utf-8"?>
+<p:sld xmlns:a="http://schemas.openxmlformats.org/drawingml/2006/main" xmlns:r="http://schemas.openxmlformats.org/officeDocument/2006/relationships" xmlns:p="http://schemas.openxmlformats.org/presentationml/2006/main">
+  <p:cSld>
+    <p:spTree>
+      <p:nvGrpSpPr>
+        <p:cNvPr id="1" name=""/>
+        <p:cNvGrpSpPr/>
+        <p:nvPr/>
+      </p:nvGrpSpPr>
+      <p:grpSpPr>
+        <a:xfrm>
+          <a:off x="0" y="0"/>
+          <a:ext cx="0" cy="0"/>
+          <a:chOff x="0" y="0"/>
+          <a:chExt cx="0" cy="0"/>
+        </a:xfrm>
+      </p:grpSpPr>
+      <p:sp>
+        <p:nvSpPr>
+          <p:cNvPr id="2" name="Title 1">
+            <a:extLst>
+              <a:ext uri="{FF2B5EF4-FFF2-40B4-BE49-F238E27FC236}">
+                <a16:creationId xmlns:a16="http://schemas.microsoft.com/office/drawing/2014/main" id="{41268A52-4075-AAF3-6DB0-0A35D2CC98E6}"/>
+              </a:ext>
+            </a:extLst>
+          </p:cNvPr>
+          <p:cNvSpPr>
+            <a:spLocks noGrp="1"/>
+          </p:cNvSpPr>
+          <p:nvPr>
+            <p:ph type="title"/>
+          </p:nvPr>
+        </p:nvSpPr>
+        <p:spPr/>
+        <p:txBody>
+          <a:bodyPr/>
+          <a:lstStyle/>
+          <a:p>
+            <a:r>
+              <a:rPr lang="en-US" dirty="0">
+                <a:cs typeface="Calibri Light"/>
+              </a:rPr>
+              <a:t>Idea4: </a:t>
+            </a:r>
+            <a:r>
+              <a:rPr lang="en-US" dirty="0" err="1">
+                <a:cs typeface="Calibri Light"/>
+              </a:rPr>
+              <a:t>Películas</a:t>
+            </a:r>
+            <a:r>
+              <a:rPr lang="en-US" dirty="0">
+                <a:cs typeface="Calibri Light"/>
+              </a:rPr>
+              <a:t> </a:t>
+            </a:r>
+            <a:r>
+              <a:rPr lang="en-US" dirty="0" err="1">
+                <a:cs typeface="Calibri Light"/>
+              </a:rPr>
+              <a:t>calificadas</a:t>
+            </a:r>
+            <a:r>
+              <a:rPr lang="en-US" dirty="0">
+                <a:cs typeface="Calibri Light"/>
+              </a:rPr>
+              <a:t> para </a:t>
+            </a:r>
+            <a:r>
+              <a:rPr lang="en-US" dirty="0" err="1">
+                <a:cs typeface="Calibri Light"/>
+              </a:rPr>
+              <a:t>mayores</a:t>
+            </a:r>
+            <a:r>
+              <a:rPr lang="en-US" dirty="0">
+                <a:cs typeface="Calibri Light"/>
+              </a:rPr>
+              <a:t> de 17 </a:t>
+            </a:r>
+            <a:r>
+              <a:rPr lang="en-US" dirty="0" err="1">
+                <a:cs typeface="Calibri Light"/>
+              </a:rPr>
+              <a:t>años</a:t>
+            </a:r>
+            <a:endParaRPr lang="en-US" dirty="0" err="1"/>
+          </a:p>
+        </p:txBody>
+      </p:sp>
+      <p:pic>
+        <p:nvPicPr>
+          <p:cNvPr id="4" name="Picture 4">
+            <a:extLst>
+              <a:ext uri="{FF2B5EF4-FFF2-40B4-BE49-F238E27FC236}">
+                <a16:creationId xmlns:a16="http://schemas.microsoft.com/office/drawing/2014/main" id="{8E1F56D3-5BFB-7706-94BA-773473A2CADC}"/>
+              </a:ext>
+            </a:extLst>
+          </p:cNvPr>
+          <p:cNvPicPr>
+            <a:picLocks noGrp="1" noChangeAspect="1"/>
+          </p:cNvPicPr>
+          <p:nvPr>
+            <p:ph idx="1"/>
+          </p:nvPr>
+        </p:nvPicPr>
+        <p:blipFill>
+          <a:blip r:embed="rId2"/>
+          <a:stretch>
+            <a:fillRect/>
+          </a:stretch>
+        </p:blipFill>
+        <p:spPr>
+          <a:xfrm>
+            <a:off x="134056" y="2296587"/>
+            <a:ext cx="8493241" cy="4560105"/>
+          </a:xfrm>
+        </p:spPr>
+      </p:pic>
+      <p:sp>
+        <p:nvSpPr>
+          <p:cNvPr id="5" name="TextBox 4">
+            <a:extLst>
+              <a:ext uri="{FF2B5EF4-FFF2-40B4-BE49-F238E27FC236}">
+                <a16:creationId xmlns:a16="http://schemas.microsoft.com/office/drawing/2014/main" id="{0074A17B-1CB4-1928-67EF-70D70744844C}"/>
+              </a:ext>
+            </a:extLst>
+          </p:cNvPr>
+          <p:cNvSpPr txBox="1"/>
+          <p:nvPr/>
+        </p:nvSpPr>
+        <p:spPr>
+          <a:xfrm>
+            <a:off x="8847551" y="2292263"/>
+            <a:ext cx="2743199" cy="2862322"/>
+          </a:xfrm>
+          <a:prstGeom prst="rect">
+            <a:avLst/>
+          </a:prstGeom>
+          <a:noFill/>
+        </p:spPr>
+        <p:txBody>
+          <a:bodyPr rot="0" spcFirstLastPara="0" vertOverflow="overflow" horzOverflow="overflow" vert="horz" wrap="square" lIns="91440" tIns="45720" rIns="91440" bIns="45720" numCol="1" spcCol="0" rtlCol="0" fromWordArt="0" anchor="t" anchorCtr="0" forceAA="0" compatLnSpc="1">
+            <a:prstTxWarp prst="textNoShape">
+              <a:avLst/>
+            </a:prstTxWarp>
+            <a:spAutoFit/>
+          </a:bodyPr>
+          <a:lstStyle/>
+          <a:p>
+            <a:r>
+              <a:rPr lang="en-US" dirty="0">
+                <a:ea typeface="+mn-lt"/>
+                <a:cs typeface="+mn-lt"/>
+              </a:rPr>
+              <a:t>PG - parental guidance suggested</a:t>
+            </a:r>
+            <a:endParaRPr lang="en-US" dirty="0"/>
+          </a:p>
+          <a:p>
+            <a:endParaRPr lang="en-US" dirty="0">
+              <a:ea typeface="+mn-lt"/>
+              <a:cs typeface="+mn-lt"/>
+            </a:endParaRPr>
+          </a:p>
+          <a:p>
+            <a:r>
+              <a:rPr lang="en-US" dirty="0">
+                <a:ea typeface="+mn-lt"/>
+                <a:cs typeface="+mn-lt"/>
+              </a:rPr>
+              <a:t>R - </a:t>
+            </a:r>
+            <a:r>
+              <a:rPr lang="en-US" dirty="0" err="1">
+                <a:ea typeface="+mn-lt"/>
+                <a:cs typeface="+mn-lt"/>
+              </a:rPr>
+              <a:t>menores</a:t>
+            </a:r>
+            <a:r>
+              <a:rPr lang="en-US" dirty="0">
+                <a:ea typeface="+mn-lt"/>
+                <a:cs typeface="+mn-lt"/>
+              </a:rPr>
+              <a:t> de 17 con tutor</a:t>
+            </a:r>
+            <a:endParaRPr lang="en-US" dirty="0"/>
+          </a:p>
+          <a:p>
+            <a:endParaRPr lang="en-US" dirty="0">
+              <a:ea typeface="+mn-lt"/>
+              <a:cs typeface="+mn-lt"/>
+            </a:endParaRPr>
+          </a:p>
+          <a:p>
+            <a:r>
+              <a:rPr lang="en-US" dirty="0">
+                <a:ea typeface="+mn-lt"/>
+                <a:cs typeface="+mn-lt"/>
+              </a:rPr>
+              <a:t>NC17 - adults-only</a:t>
+            </a:r>
+          </a:p>
+          <a:p>
+            <a:endParaRPr lang="en-US" dirty="0"/>
+          </a:p>
+          <a:p>
+            <a:r>
+              <a:rPr lang="en-US" dirty="0">
+                <a:ea typeface="+mn-lt"/>
+                <a:cs typeface="+mn-lt"/>
+              </a:rPr>
+              <a:t>Tv-MA - </a:t>
+            </a:r>
+            <a:r>
+              <a:rPr lang="en-US" dirty="0" err="1">
+                <a:ea typeface="+mn-lt"/>
+                <a:cs typeface="+mn-lt"/>
+              </a:rPr>
+              <a:t>mayores</a:t>
+            </a:r>
+            <a:r>
+              <a:rPr lang="en-US" dirty="0">
+                <a:ea typeface="+mn-lt"/>
+                <a:cs typeface="+mn-lt"/>
+              </a:rPr>
+              <a:t> 17</a:t>
+            </a:r>
+            <a:endParaRPr lang="en-US" dirty="0">
+              <a:cs typeface="Calibri"/>
+            </a:endParaRPr>
+          </a:p>
+          <a:p>
+            <a:endParaRPr lang="en-US" dirty="0">
+              <a:cs typeface="Calibri"/>
+            </a:endParaRPr>
+          </a:p>
+        </p:txBody>
+      </p:sp>
+    </p:spTree>
+    <p:extLst>
+      <p:ext uri="{BB962C8B-B14F-4D97-AF65-F5344CB8AC3E}">
+        <p14:creationId xmlns:p14="http://schemas.microsoft.com/office/powerpoint/2010/main" val="234426152"/>
       </p:ext>
     </p:extLst>
   </p:cSld>
